--- a/Power Point/Predicting Employee Attrition.pptx
+++ b/Power Point/Predicting Employee Attrition.pptx
@@ -139,7 +139,7 @@
   </p:defaultTextStyle>
   <p:extLst>
     <p:ext uri="{EFAFB233-063F-42B5-8137-9DF3F51BA10A}">
-      <p15:sldGuideLst xmlns:p15="http://schemas.microsoft.com/office/powerpoint/2012/main" xmlns=""/>
+      <p15:sldGuideLst xmlns="" xmlns:p15="http://schemas.microsoft.com/office/powerpoint/2012/main"/>
     </p:ext>
   </p:extLst>
 </p:presentation>
@@ -240,7 +240,7 @@
           <a:effectLst/>
           <a:extLst>
             <a:ext uri="{91240B29-F687-4f45-9708-019B960494DF}">
-              <a14:hiddenLine xmlns="" xmlns:a14="http://schemas.microsoft.com/office/drawing/2010/main" w="9525">
+              <a14:hiddenLine xmlns:a14="http://schemas.microsoft.com/office/drawing/2010/main" xmlns="" w="9525">
                 <a:solidFill>
                   <a:srgbClr val="000000"/>
                 </a:solidFill>
@@ -433,7 +433,7 @@
             <a:fld id="{08B9EBBA-996F-894A-B54A-D6246ED52CEA}" type="datetimeFigureOut">
               <a:rPr lang="en-US" dirty="0"/>
               <a:pPr/>
-              <a:t>12/3/2020</a:t>
+              <a:t>12/4/2020</a:t>
             </a:fld>
             <a:endParaRPr lang="en-US" dirty="0"/>
           </a:p>
@@ -751,7 +751,7 @@
             <a:fld id="{18C79C5D-2A6F-F04D-97DA-BEF2467B64E4}" type="datetimeFigureOut">
               <a:rPr lang="en-US" dirty="0"/>
               <a:pPr/>
-              <a:t>12/3/2020</a:t>
+              <a:t>12/4/2020</a:t>
             </a:fld>
             <a:endParaRPr lang="en-US" dirty="0"/>
           </a:p>
@@ -1239,7 +1239,7 @@
             <a:fld id="{8DFA1846-DA80-1C48-A609-854EA85C59AD}" type="datetimeFigureOut">
               <a:rPr lang="en-US" dirty="0"/>
               <a:pPr/>
-              <a:t>12/3/2020</a:t>
+              <a:t>12/4/2020</a:t>
             </a:fld>
             <a:endParaRPr lang="en-US" dirty="0"/>
           </a:p>
@@ -1608,7 +1608,7 @@
             <a:fld id="{FBF54567-0DE4-3F47-BF90-CB84690072F9}" type="datetimeFigureOut">
               <a:rPr lang="en-US" dirty="0"/>
               <a:pPr/>
-              <a:t>12/3/2020</a:t>
+              <a:t>12/4/2020</a:t>
             </a:fld>
             <a:endParaRPr lang="en-US" dirty="0"/>
           </a:p>
@@ -1762,7 +1762,7 @@
           <a:ln/>
           <a:extLst>
             <a:ext uri="{91240B29-F687-4f45-9708-019B960494DF}">
-              <a14:hiddenLine xmlns="" xmlns:a14="http://schemas.microsoft.com/office/drawing/2010/main" w="9525">
+              <a14:hiddenLine xmlns:a14="http://schemas.microsoft.com/office/drawing/2010/main" xmlns="" w="9525">
                 <a:solidFill>
                   <a:srgbClr val="000000"/>
                 </a:solidFill>
@@ -1881,7 +1881,7 @@
             <a:fld id="{C6C52C72-DE31-F449-A4ED-4C594FD91407}" type="datetimeFigureOut">
               <a:rPr lang="en-US" dirty="0"/>
               <a:pPr/>
-              <a:t>12/3/2020</a:t>
+              <a:t>12/4/2020</a:t>
             </a:fld>
             <a:endParaRPr lang="en-US" dirty="0"/>
           </a:p>
@@ -2037,7 +2037,7 @@
           <a:ln/>
           <a:extLst>
             <a:ext uri="{91240B29-F687-4f45-9708-019B960494DF}">
-              <a14:hiddenLine xmlns="" xmlns:a14="http://schemas.microsoft.com/office/drawing/2010/main" w="9525">
+              <a14:hiddenLine xmlns:a14="http://schemas.microsoft.com/office/drawing/2010/main" xmlns="" w="9525">
                 <a:solidFill>
                   <a:srgbClr val="000000"/>
                 </a:solidFill>
@@ -2166,7 +2166,7 @@
             <a:fld id="{ED62726E-379B-B349-9EED-81ED093FA806}" type="datetimeFigureOut">
               <a:rPr lang="en-US" dirty="0"/>
               <a:pPr/>
-              <a:t>12/3/2020</a:t>
+              <a:t>12/4/2020</a:t>
             </a:fld>
             <a:endParaRPr lang="en-US" dirty="0"/>
           </a:p>
@@ -2320,7 +2320,7 @@
           <a:ln/>
           <a:extLst>
             <a:ext uri="{91240B29-F687-4f45-9708-019B960494DF}">
-              <a14:hiddenLine xmlns="" xmlns:a14="http://schemas.microsoft.com/office/drawing/2010/main" w="9525">
+              <a14:hiddenLine xmlns:a14="http://schemas.microsoft.com/office/drawing/2010/main" xmlns="" w="9525">
                 <a:solidFill>
                   <a:srgbClr val="000000"/>
                 </a:solidFill>
@@ -2449,7 +2449,7 @@
             <a:fld id="{9B3A1323-8D79-1946-B0D7-40001CF92E9D}" type="datetimeFigureOut">
               <a:rPr lang="en-US" dirty="0"/>
               <a:pPr/>
-              <a:t>12/3/2020</a:t>
+              <a:t>12/4/2020</a:t>
             </a:fld>
             <a:endParaRPr lang="en-US" dirty="0"/>
           </a:p>
@@ -2792,7 +2792,7 @@
             <a:fld id="{8DFA1846-DA80-1C48-A609-854EA85C59AD}" type="datetimeFigureOut">
               <a:rPr lang="en-US" dirty="0"/>
               <a:pPr/>
-              <a:t>12/3/2020</a:t>
+              <a:t>12/4/2020</a:t>
             </a:fld>
             <a:endParaRPr lang="en-US" dirty="0"/>
           </a:p>
@@ -2946,7 +2946,7 @@
           <a:ln/>
           <a:extLst>
             <a:ext uri="{91240B29-F687-4f45-9708-019B960494DF}">
-              <a14:hiddenLine xmlns="" xmlns:a14="http://schemas.microsoft.com/office/drawing/2010/main" w="9525">
+              <a14:hiddenLine xmlns:a14="http://schemas.microsoft.com/office/drawing/2010/main" xmlns="" w="9525">
                 <a:solidFill>
                   <a:srgbClr val="000000"/>
                 </a:solidFill>
@@ -3131,7 +3131,7 @@
             <a:fld id="{57302355-E14B-8545-A8F8-0FE83CC9D524}" type="datetimeFigureOut">
               <a:rPr lang="en-US" dirty="0"/>
               <a:pPr/>
-              <a:t>12/3/2020</a:t>
+              <a:t>12/4/2020</a:t>
             </a:fld>
             <a:endParaRPr lang="en-US" dirty="0"/>
           </a:p>
@@ -3285,7 +3285,7 @@
           <a:ln/>
           <a:extLst>
             <a:ext uri="{91240B29-F687-4f45-9708-019B960494DF}">
-              <a14:hiddenLine xmlns="" xmlns:a14="http://schemas.microsoft.com/office/drawing/2010/main" w="9525">
+              <a14:hiddenLine xmlns:a14="http://schemas.microsoft.com/office/drawing/2010/main" xmlns="" w="9525">
                 <a:solidFill>
                   <a:srgbClr val="000000"/>
                 </a:solidFill>
@@ -3608,7 +3608,7 @@
             <a:fld id="{02640F58-564D-2B4F-AE67-E407BA4FCF45}" type="datetimeFigureOut">
               <a:rPr lang="en-US" dirty="0"/>
               <a:pPr/>
-              <a:t>12/3/2020</a:t>
+              <a:t>12/4/2020</a:t>
             </a:fld>
             <a:endParaRPr lang="en-US" dirty="0"/>
           </a:p>
@@ -3762,7 +3762,7 @@
           <a:ln/>
           <a:extLst>
             <a:ext uri="{91240B29-F687-4f45-9708-019B960494DF}">
-              <a14:hiddenLine xmlns="" xmlns:a14="http://schemas.microsoft.com/office/drawing/2010/main" w="9525">
+              <a14:hiddenLine xmlns:a14="http://schemas.microsoft.com/office/drawing/2010/main" xmlns="" w="9525">
                 <a:solidFill>
                   <a:srgbClr val="000000"/>
                 </a:solidFill>
@@ -3829,7 +3829,7 @@
             <a:fld id="{F13A34C8-038E-2045-AF43-DF7DBB8E0E9E}" type="datetimeFigureOut">
               <a:rPr lang="en-US" dirty="0"/>
               <a:pPr/>
-              <a:t>12/3/2020</a:t>
+              <a:t>12/4/2020</a:t>
             </a:fld>
             <a:endParaRPr lang="en-US" dirty="0"/>
           </a:p>
@@ -3924,7 +3924,7 @@
             <a:fld id="{8818C68F-D26B-8F47-958C-23B49CF8A634}" type="datetimeFigureOut">
               <a:rPr lang="en-US" dirty="0"/>
               <a:pPr/>
-              <a:t>12/3/2020</a:t>
+              <a:t>12/4/2020</a:t>
             </a:fld>
             <a:endParaRPr lang="en-US" dirty="0"/>
           </a:p>
@@ -4191,7 +4191,7 @@
           <a:ln/>
           <a:extLst>
             <a:ext uri="{91240B29-F687-4f45-9708-019B960494DF}">
-              <a14:hiddenLine xmlns="" xmlns:a14="http://schemas.microsoft.com/office/drawing/2010/main" w="9525">
+              <a14:hiddenLine xmlns:a14="http://schemas.microsoft.com/office/drawing/2010/main" xmlns="" w="9525">
                 <a:solidFill>
                   <a:srgbClr val="000000"/>
                 </a:solidFill>
@@ -4391,7 +4391,7 @@
             <a:fld id="{D0DF5E60-9974-AC48-9591-99C2BB44B7CF}" type="datetimeFigureOut">
               <a:rPr lang="en-US" dirty="0"/>
               <a:pPr/>
-              <a:t>12/3/2020</a:t>
+              <a:t>12/4/2020</a:t>
             </a:fld>
             <a:endParaRPr lang="en-US" dirty="0"/>
           </a:p>
@@ -4704,7 +4704,7 @@
             <a:fld id="{18C79C5D-2A6F-F04D-97DA-BEF2467B64E4}" type="datetimeFigureOut">
               <a:rPr lang="en-US" dirty="0"/>
               <a:pPr/>
-              <a:t>12/3/2020</a:t>
+              <a:t>12/4/2020</a:t>
             </a:fld>
             <a:endParaRPr lang="en-US" dirty="0"/>
           </a:p>
@@ -4974,7 +4974,7 @@
             <a:fld id="{09B482E8-6E0E-1B4F-B1FD-C69DB9E858D9}" type="datetimeFigureOut">
               <a:rPr lang="en-US" dirty="0"/>
               <a:pPr/>
-              <a:t>12/3/2020</a:t>
+              <a:t>12/4/2020</a:t>
             </a:fld>
             <a:endParaRPr lang="en-US" dirty="0"/>
           </a:p>
@@ -5456,7 +5456,7 @@
         <p:spPr>
           <a:xfrm>
             <a:off x="373487" y="2691685"/>
-            <a:ext cx="5851299" cy="3477875"/>
+            <a:ext cx="5851299" cy="2985433"/>
           </a:xfrm>
           <a:prstGeom prst="rect">
             <a:avLst/>
@@ -5485,7 +5485,7 @@
           </a:p>
           <a:p>
             <a:r>
-              <a:rPr lang="en-US" sz="2000" b="1" dirty="0" smtClean="0"/>
+              <a:rPr lang="en-US" sz="2400" b="1" dirty="0" smtClean="0"/>
               <a:t>Submitted by-</a:t>
             </a:r>
           </a:p>
@@ -5497,63 +5497,51 @@
           </a:p>
           <a:p>
             <a:r>
-              <a:rPr lang="en-US" sz="2000" b="1" dirty="0" err="1" smtClean="0">
+              <a:rPr lang="en-US" sz="2400" b="1" dirty="0" err="1" smtClean="0">
+                <a:solidFill>
+                  <a:schemeClr val="accent1">
+                    <a:lumMod val="40000"/>
+                    <a:lumOff val="60000"/>
+                  </a:schemeClr>
+                </a:solidFill>
                 <a:latin typeface="Arial" panose="020B0604020202020204" pitchFamily="34" charset="0"/>
                 <a:cs typeface="Arial" panose="020B0604020202020204" pitchFamily="34" charset="0"/>
               </a:rPr>
               <a:t>Sweety</a:t>
             </a:r>
             <a:r>
-              <a:rPr lang="en-US" sz="2000" b="1" dirty="0" smtClean="0">
+              <a:rPr lang="en-US" sz="2400" b="1" dirty="0" smtClean="0">
+                <a:solidFill>
+                  <a:schemeClr val="accent1">
+                    <a:lumMod val="40000"/>
+                    <a:lumOff val="60000"/>
+                  </a:schemeClr>
+                </a:solidFill>
                 <a:latin typeface="Arial" panose="020B0604020202020204" pitchFamily="34" charset="0"/>
                 <a:cs typeface="Arial" panose="020B0604020202020204" pitchFamily="34" charset="0"/>
               </a:rPr>
               <a:t> </a:t>
             </a:r>
             <a:r>
-              <a:rPr lang="en-US" sz="2000" b="1" dirty="0" err="1" smtClean="0">
+              <a:rPr lang="en-US" sz="2400" b="1" dirty="0" err="1" smtClean="0">
+                <a:solidFill>
+                  <a:schemeClr val="accent1">
+                    <a:lumMod val="40000"/>
+                    <a:lumOff val="60000"/>
+                  </a:schemeClr>
+                </a:solidFill>
                 <a:latin typeface="Arial" panose="020B0604020202020204" pitchFamily="34" charset="0"/>
                 <a:cs typeface="Arial" panose="020B0604020202020204" pitchFamily="34" charset="0"/>
               </a:rPr>
               <a:t>Porwal</a:t>
             </a:r>
-            <a:endParaRPr lang="en-US" sz="2000" b="1" dirty="0" smtClean="0">
-              <a:latin typeface="Arial" panose="020B0604020202020204" pitchFamily="34" charset="0"/>
-              <a:cs typeface="Arial" panose="020B0604020202020204" pitchFamily="34" charset="0"/>
-            </a:endParaRPr>
-          </a:p>
-          <a:p>
-            <a:r>
-              <a:rPr lang="en-US" sz="2000" b="1" dirty="0" err="1" smtClean="0">
-                <a:latin typeface="Arial" panose="020B0604020202020204" pitchFamily="34" charset="0"/>
-                <a:cs typeface="Arial" panose="020B0604020202020204" pitchFamily="34" charset="0"/>
-              </a:rPr>
-              <a:t>Gurpreet</a:t>
-            </a:r>
-            <a:r>
-              <a:rPr lang="en-US" sz="2000" b="1" dirty="0" smtClean="0">
-                <a:latin typeface="Arial" panose="020B0604020202020204" pitchFamily="34" charset="0"/>
-                <a:cs typeface="Arial" panose="020B0604020202020204" pitchFamily="34" charset="0"/>
-              </a:rPr>
-              <a:t> Kaur</a:t>
-            </a:r>
-          </a:p>
-          <a:p>
-            <a:r>
-              <a:rPr lang="en-US" sz="2000" b="1" dirty="0" err="1" smtClean="0">
-                <a:latin typeface="Arial" panose="020B0604020202020204" pitchFamily="34" charset="0"/>
-                <a:cs typeface="Arial" panose="020B0604020202020204" pitchFamily="34" charset="0"/>
-              </a:rPr>
-              <a:t>Ankita</a:t>
-            </a:r>
-            <a:r>
-              <a:rPr lang="en-US" sz="2000" b="1" dirty="0" smtClean="0">
-                <a:latin typeface="Arial" panose="020B0604020202020204" pitchFamily="34" charset="0"/>
-                <a:cs typeface="Arial" panose="020B0604020202020204" pitchFamily="34" charset="0"/>
-              </a:rPr>
-              <a:t> Thakur</a:t>
-            </a:r>
-            <a:endParaRPr lang="en-US" sz="2000" b="1" dirty="0">
+            <a:endParaRPr lang="en-US" sz="2400" b="1" dirty="0" smtClean="0">
+              <a:solidFill>
+                <a:schemeClr val="accent1">
+                  <a:lumMod val="40000"/>
+                  <a:lumOff val="60000"/>
+                </a:schemeClr>
+              </a:solidFill>
               <a:latin typeface="Arial" panose="020B0604020202020204" pitchFamily="34" charset="0"/>
               <a:cs typeface="Arial" panose="020B0604020202020204" pitchFamily="34" charset="0"/>
             </a:endParaRPr>
@@ -5574,7 +5562,7 @@
           <a:blip r:embed="rId2">
             <a:extLst>
               <a:ext uri="{28A0092B-C50C-407E-A947-70E740481C1C}">
-                <a14:useLocalDpi xmlns:a14="http://schemas.microsoft.com/office/drawing/2010/main" xmlns="" val="0"/>
+                <a14:useLocalDpi xmlns="" xmlns:a14="http://schemas.microsoft.com/office/drawing/2010/main" val="0"/>
               </a:ext>
             </a:extLst>
           </a:blip>
@@ -5601,7 +5589,7 @@
           <a:blip r:embed="rId3">
             <a:extLst>
               <a:ext uri="{28A0092B-C50C-407E-A947-70E740481C1C}">
-                <a14:useLocalDpi xmlns:a14="http://schemas.microsoft.com/office/drawing/2010/main" xmlns="" val="0"/>
+                <a14:useLocalDpi xmlns="" xmlns:a14="http://schemas.microsoft.com/office/drawing/2010/main" val="0"/>
               </a:ext>
             </a:extLst>
           </a:blip>
@@ -5622,7 +5610,7 @@
     </p:spTree>
     <p:extLst>
       <p:ext uri="{BB962C8B-B14F-4D97-AF65-F5344CB8AC3E}">
-        <p14:creationId xmlns:p14="http://schemas.microsoft.com/office/powerpoint/2010/main" xmlns="" val="3721572308"/>
+        <p14:creationId xmlns="" xmlns:p14="http://schemas.microsoft.com/office/powerpoint/2010/main" val="3721572308"/>
       </p:ext>
     </p:extLst>
   </p:cSld>
@@ -5828,7 +5816,7 @@
     </p:spTree>
     <p:extLst>
       <p:ext uri="{BB962C8B-B14F-4D97-AF65-F5344CB8AC3E}">
-        <p14:creationId xmlns:p14="http://schemas.microsoft.com/office/powerpoint/2010/main" xmlns="" val="1692966899"/>
+        <p14:creationId xmlns="" xmlns:p14="http://schemas.microsoft.com/office/powerpoint/2010/main" val="1692966899"/>
       </p:ext>
     </p:extLst>
   </p:cSld>
@@ -6062,7 +6050,7 @@
     </p:spTree>
     <p:extLst>
       <p:ext uri="{BB962C8B-B14F-4D97-AF65-F5344CB8AC3E}">
-        <p14:creationId xmlns:p14="http://schemas.microsoft.com/office/powerpoint/2010/main" xmlns="" val="1832879677"/>
+        <p14:creationId xmlns="" xmlns:p14="http://schemas.microsoft.com/office/powerpoint/2010/main" val="1832879677"/>
       </p:ext>
     </p:extLst>
   </p:cSld>
@@ -6280,7 +6268,7 @@
     </p:spTree>
     <p:extLst>
       <p:ext uri="{BB962C8B-B14F-4D97-AF65-F5344CB8AC3E}">
-        <p14:creationId xmlns:p14="http://schemas.microsoft.com/office/powerpoint/2010/main" xmlns="" val="672794931"/>
+        <p14:creationId xmlns="" xmlns:p14="http://schemas.microsoft.com/office/powerpoint/2010/main" val="672794931"/>
       </p:ext>
     </p:extLst>
   </p:cSld>
@@ -6505,7 +6493,7 @@
     </p:spTree>
     <p:extLst>
       <p:ext uri="{BB962C8B-B14F-4D97-AF65-F5344CB8AC3E}">
-        <p14:creationId xmlns:p14="http://schemas.microsoft.com/office/powerpoint/2010/main" xmlns="" val="814411384"/>
+        <p14:creationId xmlns="" xmlns:p14="http://schemas.microsoft.com/office/powerpoint/2010/main" val="814411384"/>
       </p:ext>
     </p:extLst>
   </p:cSld>
@@ -6735,7 +6723,7 @@
     </p:spTree>
     <p:extLst>
       <p:ext uri="{BB962C8B-B14F-4D97-AF65-F5344CB8AC3E}">
-        <p14:creationId xmlns:p14="http://schemas.microsoft.com/office/powerpoint/2010/main" xmlns="" val="2716315255"/>
+        <p14:creationId xmlns="" xmlns:p14="http://schemas.microsoft.com/office/powerpoint/2010/main" val="2716315255"/>
       </p:ext>
     </p:extLst>
   </p:cSld>
@@ -6958,7 +6946,7 @@
     </p:spTree>
     <p:extLst>
       <p:ext uri="{BB962C8B-B14F-4D97-AF65-F5344CB8AC3E}">
-        <p14:creationId xmlns:p14="http://schemas.microsoft.com/office/powerpoint/2010/main" xmlns="" val="2241225795"/>
+        <p14:creationId xmlns="" xmlns:p14="http://schemas.microsoft.com/office/powerpoint/2010/main" val="2241225795"/>
       </p:ext>
     </p:extLst>
   </p:cSld>
@@ -7165,7 +7153,7 @@
     </p:spTree>
     <p:extLst>
       <p:ext uri="{BB962C8B-B14F-4D97-AF65-F5344CB8AC3E}">
-        <p14:creationId xmlns:p14="http://schemas.microsoft.com/office/powerpoint/2010/main" xmlns="" val="1267784879"/>
+        <p14:creationId xmlns="" xmlns:p14="http://schemas.microsoft.com/office/powerpoint/2010/main" val="1267784879"/>
       </p:ext>
     </p:extLst>
   </p:cSld>
@@ -7311,7 +7299,7 @@
     </p:spTree>
     <p:extLst>
       <p:ext uri="{BB962C8B-B14F-4D97-AF65-F5344CB8AC3E}">
-        <p14:creationId xmlns:p14="http://schemas.microsoft.com/office/powerpoint/2010/main" xmlns="" val="3225818826"/>
+        <p14:creationId xmlns="" xmlns:p14="http://schemas.microsoft.com/office/powerpoint/2010/main" val="3225818826"/>
       </p:ext>
     </p:extLst>
   </p:cSld>
@@ -7553,7 +7541,7 @@
     </p:spTree>
     <p:extLst>
       <p:ext uri="{BB962C8B-B14F-4D97-AF65-F5344CB8AC3E}">
-        <p14:creationId xmlns:p14="http://schemas.microsoft.com/office/powerpoint/2010/main" xmlns="" val="1503776404"/>
+        <p14:creationId xmlns="" xmlns:p14="http://schemas.microsoft.com/office/powerpoint/2010/main" val="1503776404"/>
       </p:ext>
     </p:extLst>
   </p:cSld>
@@ -7641,7 +7629,7 @@
     </p:spTree>
     <p:extLst>
       <p:ext uri="{BB962C8B-B14F-4D97-AF65-F5344CB8AC3E}">
-        <p14:creationId xmlns:p14="http://schemas.microsoft.com/office/powerpoint/2010/main" xmlns="" val="2763984076"/>
+        <p14:creationId xmlns="" xmlns:p14="http://schemas.microsoft.com/office/powerpoint/2010/main" val="2763984076"/>
       </p:ext>
     </p:extLst>
   </p:cSld>
@@ -7826,7 +7814,7 @@
           <a:blip r:embed="rId2">
             <a:extLst>
               <a:ext uri="{28A0092B-C50C-407E-A947-70E740481C1C}">
-                <a14:useLocalDpi xmlns:a14="http://schemas.microsoft.com/office/drawing/2010/main" xmlns="" val="0"/>
+                <a14:useLocalDpi xmlns="" xmlns:a14="http://schemas.microsoft.com/office/drawing/2010/main" val="0"/>
               </a:ext>
             </a:extLst>
           </a:blip>
@@ -7847,7 +7835,7 @@
     </p:spTree>
     <p:extLst>
       <p:ext uri="{BB962C8B-B14F-4D97-AF65-F5344CB8AC3E}">
-        <p14:creationId xmlns:p14="http://schemas.microsoft.com/office/powerpoint/2010/main" xmlns="" val="2658765954"/>
+        <p14:creationId xmlns="" xmlns:p14="http://schemas.microsoft.com/office/powerpoint/2010/main" val="2658765954"/>
       </p:ext>
     </p:extLst>
   </p:cSld>
@@ -8001,7 +7989,7 @@
     </p:spTree>
     <p:extLst>
       <p:ext uri="{BB962C8B-B14F-4D97-AF65-F5344CB8AC3E}">
-        <p14:creationId xmlns:p14="http://schemas.microsoft.com/office/powerpoint/2010/main" xmlns="" val="2250429481"/>
+        <p14:creationId xmlns="" xmlns:p14="http://schemas.microsoft.com/office/powerpoint/2010/main" val="2250429481"/>
       </p:ext>
     </p:extLst>
   </p:cSld>
@@ -8211,7 +8199,7 @@
     </p:spTree>
     <p:extLst>
       <p:ext uri="{BB962C8B-B14F-4D97-AF65-F5344CB8AC3E}">
-        <p14:creationId xmlns:p14="http://schemas.microsoft.com/office/powerpoint/2010/main" xmlns="" val="3409236309"/>
+        <p14:creationId xmlns="" xmlns:p14="http://schemas.microsoft.com/office/powerpoint/2010/main" val="3409236309"/>
       </p:ext>
     </p:extLst>
   </p:cSld>
@@ -8321,7 +8309,7 @@
     </p:spTree>
     <p:extLst>
       <p:ext uri="{BB962C8B-B14F-4D97-AF65-F5344CB8AC3E}">
-        <p14:creationId xmlns:p14="http://schemas.microsoft.com/office/powerpoint/2010/main" xmlns="" val="1947469130"/>
+        <p14:creationId xmlns="" xmlns:p14="http://schemas.microsoft.com/office/powerpoint/2010/main" val="1947469130"/>
       </p:ext>
     </p:extLst>
   </p:cSld>
@@ -8597,7 +8585,7 @@
     </p:spTree>
     <p:extLst>
       <p:ext uri="{BB962C8B-B14F-4D97-AF65-F5344CB8AC3E}">
-        <p14:creationId xmlns:p14="http://schemas.microsoft.com/office/powerpoint/2010/main" xmlns="" val="2163455342"/>
+        <p14:creationId xmlns="" xmlns:p14="http://schemas.microsoft.com/office/powerpoint/2010/main" val="2163455342"/>
       </p:ext>
     </p:extLst>
   </p:cSld>
@@ -8780,7 +8768,7 @@
     </p:spTree>
     <p:extLst>
       <p:ext uri="{BB962C8B-B14F-4D97-AF65-F5344CB8AC3E}">
-        <p14:creationId xmlns:p14="http://schemas.microsoft.com/office/powerpoint/2010/main" xmlns="" val="1712867841"/>
+        <p14:creationId xmlns="" xmlns:p14="http://schemas.microsoft.com/office/powerpoint/2010/main" val="1712867841"/>
       </p:ext>
     </p:extLst>
   </p:cSld>
@@ -9053,7 +9041,7 @@
     </p:spTree>
     <p:extLst>
       <p:ext uri="{BB962C8B-B14F-4D97-AF65-F5344CB8AC3E}">
-        <p14:creationId xmlns:p14="http://schemas.microsoft.com/office/powerpoint/2010/main" xmlns="" val="2042347259"/>
+        <p14:creationId xmlns="" xmlns:p14="http://schemas.microsoft.com/office/powerpoint/2010/main" val="2042347259"/>
       </p:ext>
     </p:extLst>
   </p:cSld>
@@ -9260,7 +9248,7 @@
     </p:spTree>
     <p:extLst>
       <p:ext uri="{BB962C8B-B14F-4D97-AF65-F5344CB8AC3E}">
-        <p14:creationId xmlns:p14="http://schemas.microsoft.com/office/powerpoint/2010/main" xmlns="" val="4053998742"/>
+        <p14:creationId xmlns="" xmlns:p14="http://schemas.microsoft.com/office/powerpoint/2010/main" val="4053998742"/>
       </p:ext>
     </p:extLst>
   </p:cSld>
@@ -9402,7 +9390,7 @@
     </p:spTree>
     <p:extLst>
       <p:ext uri="{BB962C8B-B14F-4D97-AF65-F5344CB8AC3E}">
-        <p14:creationId xmlns:p14="http://schemas.microsoft.com/office/powerpoint/2010/main" xmlns="" val="178860271"/>
+        <p14:creationId xmlns="" xmlns:p14="http://schemas.microsoft.com/office/powerpoint/2010/main" val="178860271"/>
       </p:ext>
     </p:extLst>
   </p:cSld>
@@ -9634,7 +9622,7 @@
     </p:spTree>
     <p:extLst>
       <p:ext uri="{BB962C8B-B14F-4D97-AF65-F5344CB8AC3E}">
-        <p14:creationId xmlns:p14="http://schemas.microsoft.com/office/powerpoint/2010/main" xmlns="" val="795915869"/>
+        <p14:creationId xmlns="" xmlns:p14="http://schemas.microsoft.com/office/powerpoint/2010/main" val="795915869"/>
       </p:ext>
     </p:extLst>
   </p:cSld>
@@ -9823,7 +9811,7 @@
     </p:spTree>
     <p:extLst>
       <p:ext uri="{BB962C8B-B14F-4D97-AF65-F5344CB8AC3E}">
-        <p14:creationId xmlns:p14="http://schemas.microsoft.com/office/powerpoint/2010/main" xmlns="" val="3805780815"/>
+        <p14:creationId xmlns="" xmlns:p14="http://schemas.microsoft.com/office/powerpoint/2010/main" val="3805780815"/>
       </p:ext>
     </p:extLst>
   </p:cSld>
@@ -10256,7 +10244,7 @@
     </p:spTree>
     <p:extLst>
       <p:ext uri="{BB962C8B-B14F-4D97-AF65-F5344CB8AC3E}">
-        <p14:creationId xmlns:p14="http://schemas.microsoft.com/office/powerpoint/2010/main" xmlns="" val="3913246439"/>
+        <p14:creationId xmlns="" xmlns:p14="http://schemas.microsoft.com/office/powerpoint/2010/main" val="3913246439"/>
       </p:ext>
     </p:extLst>
   </p:cSld>
@@ -10436,7 +10424,7 @@
     </p:spTree>
     <p:extLst>
       <p:ext uri="{BB962C8B-B14F-4D97-AF65-F5344CB8AC3E}">
-        <p14:creationId xmlns:p14="http://schemas.microsoft.com/office/powerpoint/2010/main" xmlns="" val="1847354977"/>
+        <p14:creationId xmlns="" xmlns:p14="http://schemas.microsoft.com/office/powerpoint/2010/main" val="1847354977"/>
       </p:ext>
     </p:extLst>
   </p:cSld>
@@ -10505,7 +10493,7 @@
           <p:nvPr>
             <p:extLst>
               <p:ext uri="{D42A27DB-BD31-4B8C-83A1-F6EECF244321}">
-                <p14:modId xmlns:p14="http://schemas.microsoft.com/office/powerpoint/2010/main" xmlns="" val="2839457494"/>
+                <p14:modId xmlns="" xmlns:p14="http://schemas.microsoft.com/office/powerpoint/2010/main" val="2839457494"/>
               </p:ext>
             </p:extLst>
           </p:nvPr>
@@ -10879,7 +10867,7 @@
     </p:spTree>
     <p:extLst>
       <p:ext uri="{BB962C8B-B14F-4D97-AF65-F5344CB8AC3E}">
-        <p14:creationId xmlns:p14="http://schemas.microsoft.com/office/powerpoint/2010/main" xmlns="" val="615730379"/>
+        <p14:creationId xmlns="" xmlns:p14="http://schemas.microsoft.com/office/powerpoint/2010/main" val="615730379"/>
       </p:ext>
     </p:extLst>
   </p:cSld>
@@ -11044,7 +11032,7 @@
     </p:spTree>
     <p:extLst>
       <p:ext uri="{BB962C8B-B14F-4D97-AF65-F5344CB8AC3E}">
-        <p14:creationId xmlns:p14="http://schemas.microsoft.com/office/powerpoint/2010/main" xmlns="" val="2446420389"/>
+        <p14:creationId xmlns="" xmlns:p14="http://schemas.microsoft.com/office/powerpoint/2010/main" val="2446420389"/>
       </p:ext>
     </p:extLst>
   </p:cSld>
@@ -11170,7 +11158,7 @@
     </p:spTree>
     <p:extLst>
       <p:ext uri="{BB962C8B-B14F-4D97-AF65-F5344CB8AC3E}">
-        <p14:creationId xmlns:p14="http://schemas.microsoft.com/office/powerpoint/2010/main" xmlns="" val="4188848156"/>
+        <p14:creationId xmlns="" xmlns:p14="http://schemas.microsoft.com/office/powerpoint/2010/main" val="4188848156"/>
       </p:ext>
     </p:extLst>
   </p:cSld>
@@ -11219,7 +11207,7 @@
           <a:blip r:embed="rId2">
             <a:extLst>
               <a:ext uri="{28A0092B-C50C-407E-A947-70E740481C1C}">
-                <a14:useLocalDpi xmlns:a14="http://schemas.microsoft.com/office/drawing/2010/main" xmlns="" val="0"/>
+                <a14:useLocalDpi xmlns="" xmlns:a14="http://schemas.microsoft.com/office/drawing/2010/main" val="0"/>
               </a:ext>
             </a:extLst>
           </a:blip>
@@ -11240,7 +11228,7 @@
     </p:spTree>
     <p:extLst>
       <p:ext uri="{BB962C8B-B14F-4D97-AF65-F5344CB8AC3E}">
-        <p14:creationId xmlns:p14="http://schemas.microsoft.com/office/powerpoint/2010/main" xmlns="" val="2883081715"/>
+        <p14:creationId xmlns="" xmlns:p14="http://schemas.microsoft.com/office/powerpoint/2010/main" val="2883081715"/>
       </p:ext>
     </p:extLst>
   </p:cSld>
@@ -11447,7 +11435,7 @@
     </p:spTree>
     <p:extLst>
       <p:ext uri="{BB962C8B-B14F-4D97-AF65-F5344CB8AC3E}">
-        <p14:creationId xmlns:p14="http://schemas.microsoft.com/office/powerpoint/2010/main" xmlns="" val="189963087"/>
+        <p14:creationId xmlns="" xmlns:p14="http://schemas.microsoft.com/office/powerpoint/2010/main" val="189963087"/>
       </p:ext>
     </p:extLst>
   </p:cSld>
@@ -11602,7 +11590,7 @@
     </p:spTree>
     <p:extLst>
       <p:ext uri="{BB962C8B-B14F-4D97-AF65-F5344CB8AC3E}">
-        <p14:creationId xmlns:p14="http://schemas.microsoft.com/office/powerpoint/2010/main" xmlns="" val="2784676724"/>
+        <p14:creationId xmlns="" xmlns:p14="http://schemas.microsoft.com/office/powerpoint/2010/main" val="2784676724"/>
       </p:ext>
     </p:extLst>
   </p:cSld>
@@ -12055,7 +12043,7 @@
     </p:spTree>
     <p:extLst>
       <p:ext uri="{BB962C8B-B14F-4D97-AF65-F5344CB8AC3E}">
-        <p14:creationId xmlns:p14="http://schemas.microsoft.com/office/powerpoint/2010/main" xmlns="" val="3021629566"/>
+        <p14:creationId xmlns="" xmlns:p14="http://schemas.microsoft.com/office/powerpoint/2010/main" val="3021629566"/>
       </p:ext>
     </p:extLst>
   </p:cSld>
@@ -12253,7 +12241,7 @@
           <a:blip r:embed="rId2">
             <a:extLst>
               <a:ext uri="{28A0092B-C50C-407E-A947-70E740481C1C}">
-                <a14:useLocalDpi xmlns:a14="http://schemas.microsoft.com/office/drawing/2010/main" xmlns="" val="0"/>
+                <a14:useLocalDpi xmlns="" xmlns:a14="http://schemas.microsoft.com/office/drawing/2010/main" val="0"/>
               </a:ext>
             </a:extLst>
           </a:blip>
@@ -12274,7 +12262,7 @@
     </p:spTree>
     <p:extLst>
       <p:ext uri="{BB962C8B-B14F-4D97-AF65-F5344CB8AC3E}">
-        <p14:creationId xmlns:p14="http://schemas.microsoft.com/office/powerpoint/2010/main" xmlns="" val="3619933217"/>
+        <p14:creationId xmlns="" xmlns:p14="http://schemas.microsoft.com/office/powerpoint/2010/main" val="3619933217"/>
       </p:ext>
     </p:extLst>
   </p:cSld>
@@ -12426,7 +12414,7 @@
     </p:spTree>
     <p:extLst>
       <p:ext uri="{BB962C8B-B14F-4D97-AF65-F5344CB8AC3E}">
-        <p14:creationId xmlns:p14="http://schemas.microsoft.com/office/powerpoint/2010/main" xmlns="" val="1736807147"/>
+        <p14:creationId xmlns="" xmlns:p14="http://schemas.microsoft.com/office/powerpoint/2010/main" val="1736807147"/>
       </p:ext>
     </p:extLst>
   </p:cSld>
@@ -12532,7 +12520,7 @@
           <a:blip r:embed="rId3">
             <a:extLst>
               <a:ext uri="{28A0092B-C50C-407E-A947-70E740481C1C}">
-                <a14:useLocalDpi xmlns:a14="http://schemas.microsoft.com/office/drawing/2010/main" xmlns="" val="0"/>
+                <a14:useLocalDpi xmlns="" xmlns:a14="http://schemas.microsoft.com/office/drawing/2010/main" val="0"/>
               </a:ext>
             </a:extLst>
           </a:blip>
@@ -12721,7 +12709,7 @@
     </p:spTree>
     <p:extLst>
       <p:ext uri="{BB962C8B-B14F-4D97-AF65-F5344CB8AC3E}">
-        <p14:creationId xmlns:p14="http://schemas.microsoft.com/office/powerpoint/2010/main" xmlns="" val="1613000925"/>
+        <p14:creationId xmlns="" xmlns:p14="http://schemas.microsoft.com/office/powerpoint/2010/main" val="1613000925"/>
       </p:ext>
     </p:extLst>
   </p:cSld>
@@ -12972,7 +12960,7 @@
   <a:extraClrSchemeLst/>
   <a:extLst>
     <a:ext uri="{05A4C25C-085E-4340-85A3-A5531E510DB2}">
-      <thm15:themeFamily xmlns:thm15="http://schemas.microsoft.com/office/thememl/2012/main" xmlns="" name="Quotable" id="{39EC5628-30ED-4578-ACD8-9820EDB8E15A}" vid="{6F3559E9-1A4C-49D8-94D4-F41003531C49}"/>
+      <thm15:themeFamily xmlns="" xmlns:thm15="http://schemas.microsoft.com/office/thememl/2012/main" name="Quotable" id="{39EC5628-30ED-4578-ACD8-9820EDB8E15A}" vid="{6F3559E9-1A4C-49D8-94D4-F41003531C49}"/>
     </a:ext>
   </a:extLst>
 </a:theme>
